--- a/[IT18掌www.it18zhang.com]Kafka.pptx
+++ b/[IT18掌www.it18zhang.com]Kafka.pptx
@@ -247,7 +247,7 @@
           <a:p>
             <a:fld id="{0928FEF9-167E-479C-9D1C-C0CF94BC63D4}" type="datetimeFigureOut">
               <a:rPr lang="zh-CN" altLang="en-US" smtClean="0"/>
-              <a:t>2016/3/22</a:t>
+              <a:t>2016/3/23</a:t>
             </a:fld>
             <a:endParaRPr lang="zh-CN" altLang="en-US"/>
           </a:p>
@@ -15963,65 +15963,65 @@
           <a:lstStyle/>
           <a:p>
             <a:r>
-              <a:rPr lang="en-US" altLang="zh-CN" sz="2800" b="1" smtClean="0">
+              <a:rPr lang="en-US" altLang="zh-CN" sz="2800" b="1" dirty="0" smtClean="0">
                 <a:latin typeface="+mj-lt"/>
               </a:rPr>
               <a:t>java Kafka API</a:t>
             </a:r>
             <a:br>
-              <a:rPr lang="en-US" altLang="zh-CN" sz="2800" b="1" smtClean="0">
+              <a:rPr lang="en-US" altLang="zh-CN" sz="2800" b="1" dirty="0" smtClean="0">
                 <a:latin typeface="+mj-lt"/>
               </a:rPr>
             </a:br>
             <a:r>
-              <a:rPr lang="en-US" altLang="zh-CN" sz="2400" smtClean="0">
+              <a:rPr lang="en-US" altLang="zh-CN" sz="2400" dirty="0" smtClean="0">
                 <a:latin typeface="+mj-lt"/>
               </a:rPr>
               <a:t>Producer</a:t>
             </a:r>
             <a:r>
-              <a:rPr lang="zh-CN" altLang="en-US" sz="2400" smtClean="0">
+              <a:rPr lang="zh-CN" altLang="en-US" sz="2400" dirty="0" smtClean="0">
                 <a:latin typeface="+mj-lt"/>
               </a:rPr>
               <a:t>是泛型化类，</a:t>
             </a:r>
             <a:r>
-              <a:rPr lang="en-US" altLang="zh-CN" sz="2400" smtClean="0">
+              <a:rPr lang="en-US" altLang="zh-CN" sz="2400" dirty="0" smtClean="0">
                 <a:latin typeface="+mj-lt"/>
               </a:rPr>
               <a:t>k</a:t>
             </a:r>
             <a:r>
-              <a:rPr lang="zh-CN" altLang="en-US" sz="2400" smtClean="0">
+              <a:rPr lang="zh-CN" altLang="en-US" sz="2400" dirty="0" smtClean="0">
                 <a:latin typeface="+mj-lt"/>
               </a:rPr>
               <a:t>是分区的类型，</a:t>
             </a:r>
             <a:r>
-              <a:rPr lang="en-US" altLang="zh-CN" sz="2400" smtClean="0">
+              <a:rPr lang="en-US" altLang="zh-CN" sz="2400" dirty="0" smtClean="0">
                 <a:latin typeface="+mj-lt"/>
               </a:rPr>
               <a:t>v</a:t>
             </a:r>
             <a:r>
-              <a:rPr lang="zh-CN" altLang="en-US" sz="2400" smtClean="0">
+              <a:rPr lang="zh-CN" altLang="en-US" sz="2400" dirty="0" smtClean="0">
                 <a:latin typeface="+mj-lt"/>
               </a:rPr>
               <a:t>是分区的值。</a:t>
             </a:r>
             <a:r>
-              <a:rPr lang="en-US" altLang="zh-CN" sz="2400" smtClean="0">
+              <a:rPr lang="en-US" altLang="zh-CN" sz="2400" dirty="0" smtClean="0">
                 <a:latin typeface="+mj-lt"/>
               </a:rPr>
               <a:t/>
             </a:r>
             <a:br>
-              <a:rPr lang="en-US" altLang="zh-CN" sz="2400" smtClean="0">
+              <a:rPr lang="en-US" altLang="zh-CN" sz="2400" dirty="0" smtClean="0">
                 <a:latin typeface="+mj-lt"/>
               </a:rPr>
             </a:br>
             <a:r>
-              <a:rPr lang="en-US" altLang="zh-CN" sz="2400" smtClean="0">
+              <a:rPr lang="en-US" altLang="zh-CN" sz="2400" dirty="0" smtClean="0">
                 <a:solidFill>
                   <a:srgbClr val="00B050"/>
                 </a:solidFill>
@@ -16030,7 +16030,7 @@
               <a:t>//</a:t>
             </a:r>
             <a:r>
-              <a:rPr lang="zh-CN" altLang="en-US" sz="2400" smtClean="0">
+              <a:rPr lang="zh-CN" altLang="en-US" sz="2400" dirty="0" smtClean="0">
                 <a:solidFill>
                   <a:srgbClr val="00B050"/>
                 </a:solidFill>
@@ -16039,7 +16039,7 @@
               <a:t>主题、</a:t>
             </a:r>
             <a:r>
-              <a:rPr lang="en-US" altLang="zh-CN" sz="2400" smtClean="0">
+              <a:rPr lang="en-US" altLang="zh-CN" sz="2400" dirty="0" smtClean="0">
                 <a:solidFill>
                   <a:srgbClr val="00B050"/>
                 </a:solidFill>
@@ -16048,7 +16048,7 @@
               <a:t>key</a:t>
             </a:r>
             <a:r>
-              <a:rPr lang="zh-CN" altLang="en-US" sz="2400" smtClean="0">
+              <a:rPr lang="zh-CN" altLang="en-US" sz="2400" dirty="0" smtClean="0">
                 <a:solidFill>
                   <a:srgbClr val="00B050"/>
                 </a:solidFill>
@@ -16057,7 +16057,7 @@
               <a:t>、</a:t>
             </a:r>
             <a:r>
-              <a:rPr lang="en-US" altLang="zh-CN" sz="2400" smtClean="0">
+              <a:rPr lang="en-US" altLang="zh-CN" sz="2400" dirty="0" smtClean="0">
                 <a:solidFill>
                   <a:srgbClr val="00B050"/>
                 </a:solidFill>
@@ -16066,35 +16066,83 @@
               <a:t>value</a:t>
             </a:r>
             <a:r>
-              <a:rPr lang="en-US" altLang="zh-CN" sz="2400" smtClean="0">
+              <a:rPr lang="en-US" altLang="zh-CN" sz="2400" dirty="0" smtClean="0">
                 <a:latin typeface="+mj-lt"/>
               </a:rPr>
               <a:t/>
             </a:r>
             <a:br>
-              <a:rPr lang="en-US" altLang="zh-CN" sz="2400" smtClean="0">
+              <a:rPr lang="en-US" altLang="zh-CN" sz="2400" dirty="0" smtClean="0">
                 <a:latin typeface="+mj-lt"/>
               </a:rPr>
             </a:br>
             <a:r>
-              <a:rPr lang="en-US" altLang="zh-CN" sz="2400" smtClean="0">
-                <a:latin typeface="+mj-lt"/>
-              </a:rPr>
-              <a:t>class KeyedMessage[K,V](val top:String,val key:K,val m:V)</a:t>
-            </a:r>
-            <a:r>
-              <a:rPr lang="en-US" altLang="zh-CN" sz="2800" b="1" smtClean="0">
+              <a:rPr lang="en-US" altLang="zh-CN" sz="2400" dirty="0" smtClean="0">
+                <a:latin typeface="+mj-lt"/>
+              </a:rPr>
+              <a:t>class </a:t>
+            </a:r>
+            <a:r>
+              <a:rPr lang="en-US" altLang="zh-CN" sz="2400" dirty="0" err="1" smtClean="0">
+                <a:latin typeface="+mj-lt"/>
+              </a:rPr>
+              <a:t>KeyedMessage</a:t>
+            </a:r>
+            <a:r>
+              <a:rPr lang="en-US" altLang="zh-CN" sz="2400" dirty="0" smtClean="0">
+                <a:latin typeface="+mj-lt"/>
+              </a:rPr>
+              <a:t>[K,V](</a:t>
+            </a:r>
+            <a:r>
+              <a:rPr lang="en-US" altLang="zh-CN" sz="2400" dirty="0" err="1" smtClean="0">
+                <a:latin typeface="+mj-lt"/>
+              </a:rPr>
+              <a:t>val</a:t>
+            </a:r>
+            <a:r>
+              <a:rPr lang="en-US" altLang="zh-CN" sz="2400" dirty="0" smtClean="0">
+                <a:latin typeface="+mj-lt"/>
+              </a:rPr>
+              <a:t> </a:t>
+            </a:r>
+            <a:r>
+              <a:rPr lang="en-US" altLang="zh-CN" sz="2400" dirty="0" err="1" smtClean="0">
+                <a:latin typeface="+mj-lt"/>
+              </a:rPr>
+              <a:t>top:String,val</a:t>
+            </a:r>
+            <a:r>
+              <a:rPr lang="en-US" altLang="zh-CN" sz="2400" dirty="0" smtClean="0">
+                <a:latin typeface="+mj-lt"/>
+              </a:rPr>
+              <a:t> </a:t>
+            </a:r>
+            <a:r>
+              <a:rPr lang="en-US" altLang="zh-CN" sz="2400" dirty="0" err="1" smtClean="0">
+                <a:latin typeface="+mj-lt"/>
+              </a:rPr>
+              <a:t>key:K,val</a:t>
+            </a:r>
+            <a:r>
+              <a:rPr lang="en-US" altLang="zh-CN" sz="2400" dirty="0" smtClean="0">
+                <a:latin typeface="+mj-lt"/>
+              </a:rPr>
+              <a:t> m:V)</a:t>
+            </a:r>
+            <a:r>
+              <a:rPr lang="en-US" altLang="zh-CN" sz="2800" b="1" dirty="0" smtClean="0">
                 <a:latin typeface="+mj-lt"/>
               </a:rPr>
               <a:t/>
             </a:r>
             <a:br>
-              <a:rPr lang="en-US" altLang="zh-CN" sz="2800" b="1" smtClean="0">
+              <a:rPr lang="en-US" altLang="zh-CN" sz="2800" b="1" dirty="0" smtClean="0">
                 <a:latin typeface="+mj-lt"/>
               </a:rPr>
             </a:br>
             <a:r>
-              <a:rPr lang="en-US" altLang="zh-CN" sz="2800" smtClean="0">
+              <a:rPr lang="en-US" altLang="zh-CN" sz="2800" dirty="0" smtClean="0">
                 <a:solidFill>
                   <a:srgbClr val="00B050"/>
                 </a:solidFill>
@@ -16103,7 +16151,7 @@
               <a:t>//</a:t>
             </a:r>
             <a:r>
-              <a:rPr lang="zh-CN" altLang="en-US" sz="2800">
+              <a:rPr lang="zh-CN" altLang="en-US" sz="2800" dirty="0">
                 <a:solidFill>
                   <a:srgbClr val="00B050"/>
                 </a:solidFill>
@@ -16111,7 +16159,7 @@
               <a:t>封装诸如</a:t>
             </a:r>
             <a:r>
-              <a:rPr lang="en-US" altLang="zh-CN" sz="2800">
+              <a:rPr lang="en-US" altLang="zh-CN" sz="2800" dirty="0" err="1">
                 <a:solidFill>
                   <a:srgbClr val="00B050"/>
                 </a:solidFill>
@@ -16119,7 +16167,7 @@
               <a:t>BrokerList</a:t>
             </a:r>
             <a:r>
-              <a:rPr lang="zh-CN" altLang="en-US" sz="2800">
+              <a:rPr lang="zh-CN" altLang="en-US" sz="2800" dirty="0">
                 <a:solidFill>
                   <a:srgbClr val="00B050"/>
                 </a:solidFill>
@@ -16127,7 +16175,7 @@
               <a:t>、分区类、串行化类等</a:t>
             </a:r>
             <a:r>
-              <a:rPr lang="zh-CN" altLang="en-US" sz="2800" smtClean="0">
+              <a:rPr lang="zh-CN" altLang="en-US" sz="2800" dirty="0" smtClean="0">
                 <a:solidFill>
                   <a:srgbClr val="00B050"/>
                 </a:solidFill>
@@ -16135,7 +16183,7 @@
               <a:t>信</a:t>
             </a:r>
             <a:r>
-              <a:rPr lang="en-US" altLang="zh-CN" sz="2800" smtClean="0">
+              <a:rPr lang="en-US" altLang="zh-CN" sz="2800" dirty="0" smtClean="0">
                 <a:solidFill>
                   <a:srgbClr val="00B050"/>
                 </a:solidFill>
@@ -16143,14 +16191,14 @@
               <a:t/>
             </a:r>
             <a:br>
-              <a:rPr lang="en-US" altLang="zh-CN" sz="2800" smtClean="0">
+              <a:rPr lang="en-US" altLang="zh-CN" sz="2800" dirty="0" smtClean="0">
                 <a:solidFill>
                   <a:srgbClr val="00B050"/>
                 </a:solidFill>
               </a:rPr>
             </a:br>
             <a:r>
-              <a:rPr lang="en-US" altLang="zh-CN" sz="2800" smtClean="0">
+              <a:rPr lang="en-US" altLang="zh-CN" sz="2800" dirty="0" smtClean="0">
                 <a:solidFill>
                   <a:srgbClr val="00B050"/>
                 </a:solidFill>
@@ -16158,7 +16206,7 @@
               <a:t>//</a:t>
             </a:r>
             <a:r>
-              <a:rPr lang="zh-CN" altLang="en-US" sz="2800" smtClean="0">
+              <a:rPr lang="zh-CN" altLang="en-US" sz="2800" dirty="0" smtClean="0">
                 <a:solidFill>
                   <a:srgbClr val="00B050"/>
                 </a:solidFill>
@@ -16166,22 +16214,31 @@
               <a:t>息</a:t>
             </a:r>
             <a:r>
-              <a:rPr lang="en-US" altLang="zh-CN" sz="2800" b="1" smtClean="0">
+              <a:rPr lang="en-US" altLang="zh-CN" sz="2800" b="1" dirty="0" smtClean="0">
                 <a:latin typeface="+mj-lt"/>
               </a:rPr>
               <a:t/>
             </a:r>
             <a:br>
-              <a:rPr lang="en-US" altLang="zh-CN" sz="2800" b="1" smtClean="0">
+              <a:rPr lang="en-US" altLang="zh-CN" sz="2800" b="1" dirty="0" smtClean="0">
                 <a:latin typeface="+mj-lt"/>
               </a:rPr>
             </a:br>
             <a:r>
-              <a:rPr lang="en-US" altLang="zh-CN" sz="2800" smtClean="0">
-                <a:latin typeface="+mj-lt"/>
-              </a:rPr>
-              <a:t>class ProducerConfig</a:t>
-            </a:r>
+              <a:rPr lang="en-US" altLang="zh-CN" sz="2800" dirty="0" smtClean="0">
+                <a:latin typeface="+mj-lt"/>
+              </a:rPr>
+              <a:t>class </a:t>
+            </a:r>
+            <a:r>
+              <a:rPr lang="en-US" altLang="zh-CN" sz="2800" dirty="0" err="1" smtClean="0">
+                <a:latin typeface="+mj-lt"/>
+              </a:rPr>
+              <a:t>ProducerConfig</a:t>
+            </a:r>
+            <a:endParaRPr lang="en-US" altLang="zh-CN" sz="2800" dirty="0" smtClean="0">
+              <a:latin typeface="+mj-lt"/>
+            </a:endParaRPr>
           </a:p>
         </p:txBody>
       </p:sp>
@@ -20712,8 +20769,8 @@
               <a:t>提供了控制</a:t>
             </a:r>
             <a:r>
-              <a:rPr lang="en-US" altLang="zh-CN" sz="2400" dirty="0" err="1" smtClean="0"/>
-              <a:t>borkers</a:t>
+              <a:rPr lang="en-US" altLang="zh-CN" sz="2400" dirty="0" smtClean="0"/>
+              <a:t>brokers</a:t>
             </a:r>
             <a:r>
               <a:rPr lang="zh-CN" altLang="en-US" sz="2400" dirty="0" smtClean="0"/>
@@ -21071,9 +21128,14 @@
           <a:p>
             <a:pPr lvl="1"/>
             <a:r>
-              <a:rPr lang="en-US" altLang="zh-CN" sz="2400" dirty="0" smtClean="0"/>
-              <a:t>Kafka-consumer-perf-test.sh</a:t>
-            </a:r>
+              <a:rPr lang="en-US" altLang="zh-CN" sz="2400"/>
+              <a:t>Kafka-producer-perf-test. </a:t>
+            </a:r>
+            <a:r>
+              <a:rPr lang="en-US" altLang="zh-CN" sz="2400" smtClean="0"/>
+              <a:t>sh</a:t>
+            </a:r>
+            <a:endParaRPr lang="en-US" altLang="zh-CN" sz="2400" dirty="0" smtClean="0"/>
           </a:p>
           <a:p>
             <a:pPr marL="457200" lvl="1" indent="0">
@@ -21090,8 +21152,12 @@
               <a:buNone/>
             </a:pPr>
             <a:r>
+              <a:rPr lang="en-US" altLang="zh-CN" sz="2000" dirty="0" smtClean="0"/>
+              <a:t>messages</a:t>
+            </a:r>
+            <a:r>
               <a:rPr lang="en-US" altLang="zh-CN" sz="2000" dirty="0"/>
-              <a:t>messages	//</a:t>
+              <a:t>	//</a:t>
             </a:r>
             <a:r>
               <a:rPr lang="zh-CN" altLang="en-US" sz="2000" dirty="0"/>
@@ -21224,7 +21290,6 @@
               <a:rPr lang="zh-CN" altLang="en-US" sz="2000" dirty="0"/>
               <a:t>一个消息请求发送超时时间</a:t>
             </a:r>
-            <a:endParaRPr lang="zh-CN" altLang="en-US" sz="2000" dirty="0"/>
           </a:p>
         </p:txBody>
       </p:sp>
@@ -21477,7 +21542,6 @@
               <a:rPr lang="zh-CN" altLang="en-US" sz="2000" dirty="0"/>
               <a:t>拿去一条消息超时时间</a:t>
             </a:r>
-            <a:endParaRPr lang="zh-CN" altLang="en-US" sz="2000" dirty="0"/>
           </a:p>
         </p:txBody>
       </p:sp>
